--- a/docs/originais/PSI1619J_RonaldoRibalonga_2219137_ApresentacaoDefesa.pptx
+++ b/docs/originais/PSI1619J_RonaldoRibalonga_2219137_ApresentacaoDefesa.pptx
@@ -110,6 +110,11 @@
       </a:defRPr>
     </a:lvl9pPr>
   </p:defaultTextStyle>
+  <p:extLst>
+    <p:ext uri="{EFAFB233-063F-42B5-8137-9DF3F51BA10A}">
+      <p15:sldGuideLst xmlns:p15="http://schemas.microsoft.com/office/powerpoint/2012/main"/>
+    </p:ext>
+  </p:extLst>
 </p:presentation>
 </file>
 
@@ -195,7 +200,7 @@
           <a:p>
             <a:fld id="{54A83607-DBA5-4813-BC37-76103E382783}" type="datetimeFigureOut">
               <a:rPr lang="pt-PT" smtClean="0"/>
-              <a:t>27/06/2021</a:t>
+              <a:t>29/06/2021</a:t>
             </a:fld>
             <a:endParaRPr lang="pt-PT"/>
           </a:p>
@@ -354,7 +359,7 @@
           <a:p>
             <a:fld id="{8803FABC-E34A-422C-A86D-C5CE73C2C3B5}" type="slidenum">
               <a:rPr lang="pt-PT" smtClean="0"/>
-              <a:t>‹#›</a:t>
+              <a:t>‹nº›</a:t>
             </a:fld>
             <a:endParaRPr lang="pt-PT"/>
           </a:p>
@@ -596,7 +601,19 @@
           <a:p>
             <a:r>
               <a:rPr lang="pt-PT" dirty="0"/>
-              <a:t>O programa é util? Depende do ponto de vista de cada pessoa existem muitas pessoas no mundo e muitos pontos de vista mas acho que a maioria diria que é um programa util pois tem haver com series e toda a gente vê series hoje em dia mas existem pessoas que podem não achar util pois tem muita boa cabeça e memória e lembram-se perfeitamente de onde ficaram.</a:t>
+              <a:t>O programa é util? Depende do ponto de vista de cada pessoa existem muitas pessoas no mundo e muitos pontos de vista mas acho que a maioria diria que é um </a:t>
+            </a:r>
+            <a:r>
+              <a:rPr lang="pt-PT"/>
+              <a:t>programa </a:t>
+            </a:r>
+            <a:r>
+              <a:rPr lang="pt-PT" smtClean="0"/>
+              <a:t>útil </a:t>
+            </a:r>
+            <a:r>
+              <a:rPr lang="pt-PT" dirty="0"/>
+              <a:t>pois tem haver com series e toda a gente vê series hoje em dia mas existem pessoas que podem não achar util pois tem muita boa cabeça e memória e lembram-se perfeitamente de onde ficaram.</a:t>
             </a:r>
           </a:p>
         </p:txBody>
@@ -1060,7 +1077,7 @@
           <a:p>
             <a:fld id="{E14FC742-CF9C-4DF1-A67A-235095C9EA7A}" type="datetimeFigureOut">
               <a:rPr lang="pt-PT" smtClean="0"/>
-              <a:t>27/06/2021</a:t>
+              <a:t>29/06/2021</a:t>
             </a:fld>
             <a:endParaRPr lang="pt-PT"/>
           </a:p>
@@ -1112,7 +1129,7 @@
           <a:p>
             <a:fld id="{0991E417-1E2F-4D89-BBE0-6FE95A0A6C05}" type="slidenum">
               <a:rPr lang="pt-PT" smtClean="0"/>
-              <a:t>‹#›</a:t>
+              <a:t>‹nº›</a:t>
             </a:fld>
             <a:endParaRPr lang="pt-PT"/>
           </a:p>
@@ -1384,7 +1401,7 @@
           <a:p>
             <a:fld id="{E14FC742-CF9C-4DF1-A67A-235095C9EA7A}" type="datetimeFigureOut">
               <a:rPr lang="pt-PT" smtClean="0"/>
-              <a:t>27/06/2021</a:t>
+              <a:t>29/06/2021</a:t>
             </a:fld>
             <a:endParaRPr lang="pt-PT"/>
           </a:p>
@@ -1426,7 +1443,7 @@
           <a:p>
             <a:fld id="{0991E417-1E2F-4D89-BBE0-6FE95A0A6C05}" type="slidenum">
               <a:rPr lang="pt-PT" smtClean="0"/>
-              <a:t>‹#›</a:t>
+              <a:t>‹nº›</a:t>
             </a:fld>
             <a:endParaRPr lang="pt-PT"/>
           </a:p>
@@ -1632,7 +1649,7 @@
           <a:p>
             <a:fld id="{E14FC742-CF9C-4DF1-A67A-235095C9EA7A}" type="datetimeFigureOut">
               <a:rPr lang="pt-PT" smtClean="0"/>
-              <a:t>27/06/2021</a:t>
+              <a:t>29/06/2021</a:t>
             </a:fld>
             <a:endParaRPr lang="pt-PT"/>
           </a:p>
@@ -1674,7 +1691,7 @@
           <a:p>
             <a:fld id="{0991E417-1E2F-4D89-BBE0-6FE95A0A6C05}" type="slidenum">
               <a:rPr lang="pt-PT" smtClean="0"/>
-              <a:t>‹#›</a:t>
+              <a:t>‹nº›</a:t>
             </a:fld>
             <a:endParaRPr lang="pt-PT"/>
           </a:p>
@@ -1971,7 +1988,7 @@
           <a:p>
             <a:fld id="{E14FC742-CF9C-4DF1-A67A-235095C9EA7A}" type="datetimeFigureOut">
               <a:rPr lang="pt-PT" smtClean="0"/>
-              <a:t>27/06/2021</a:t>
+              <a:t>29/06/2021</a:t>
             </a:fld>
             <a:endParaRPr lang="pt-PT"/>
           </a:p>
@@ -2013,7 +2030,7 @@
           <a:p>
             <a:fld id="{0991E417-1E2F-4D89-BBE0-6FE95A0A6C05}" type="slidenum">
               <a:rPr lang="pt-PT" smtClean="0"/>
-              <a:t>‹#›</a:t>
+              <a:t>‹nº›</a:t>
             </a:fld>
             <a:endParaRPr lang="pt-PT"/>
           </a:p>
@@ -2318,7 +2335,7 @@
           <a:p>
             <a:fld id="{E14FC742-CF9C-4DF1-A67A-235095C9EA7A}" type="datetimeFigureOut">
               <a:rPr lang="pt-PT" smtClean="0"/>
-              <a:t>27/06/2021</a:t>
+              <a:t>29/06/2021</a:t>
             </a:fld>
             <a:endParaRPr lang="pt-PT"/>
           </a:p>
@@ -2360,7 +2377,7 @@
           <a:p>
             <a:fld id="{0991E417-1E2F-4D89-BBE0-6FE95A0A6C05}" type="slidenum">
               <a:rPr lang="pt-PT" smtClean="0"/>
-              <a:t>‹#›</a:t>
+              <a:t>‹nº›</a:t>
             </a:fld>
             <a:endParaRPr lang="pt-PT"/>
           </a:p>
@@ -2692,7 +2709,7 @@
           <a:p>
             <a:fld id="{E14FC742-CF9C-4DF1-A67A-235095C9EA7A}" type="datetimeFigureOut">
               <a:rPr lang="pt-PT" smtClean="0"/>
-              <a:t>27/06/2021</a:t>
+              <a:t>29/06/2021</a:t>
             </a:fld>
             <a:endParaRPr lang="pt-PT"/>
           </a:p>
@@ -2734,7 +2751,7 @@
           <a:p>
             <a:fld id="{0991E417-1E2F-4D89-BBE0-6FE95A0A6C05}" type="slidenum">
               <a:rPr lang="pt-PT" smtClean="0"/>
-              <a:t>‹#›</a:t>
+              <a:t>‹nº›</a:t>
             </a:fld>
             <a:endParaRPr lang="pt-PT"/>
           </a:p>
@@ -3162,7 +3179,7 @@
           <a:p>
             <a:fld id="{E14FC742-CF9C-4DF1-A67A-235095C9EA7A}" type="datetimeFigureOut">
               <a:rPr lang="pt-PT" smtClean="0"/>
-              <a:t>27/06/2021</a:t>
+              <a:t>29/06/2021</a:t>
             </a:fld>
             <a:endParaRPr lang="pt-PT"/>
           </a:p>
@@ -3204,7 +3221,7 @@
           <a:p>
             <a:fld id="{0991E417-1E2F-4D89-BBE0-6FE95A0A6C05}" type="slidenum">
               <a:rPr lang="pt-PT" smtClean="0"/>
-              <a:t>‹#›</a:t>
+              <a:t>‹nº›</a:t>
             </a:fld>
             <a:endParaRPr lang="pt-PT"/>
           </a:p>
@@ -3367,7 +3384,7 @@
           <a:p>
             <a:fld id="{E14FC742-CF9C-4DF1-A67A-235095C9EA7A}" type="datetimeFigureOut">
               <a:rPr lang="pt-PT" smtClean="0"/>
-              <a:t>27/06/2021</a:t>
+              <a:t>29/06/2021</a:t>
             </a:fld>
             <a:endParaRPr lang="pt-PT"/>
           </a:p>
@@ -3409,7 +3426,7 @@
           <a:p>
             <a:fld id="{0991E417-1E2F-4D89-BBE0-6FE95A0A6C05}" type="slidenum">
               <a:rPr lang="pt-PT" smtClean="0"/>
-              <a:t>‹#›</a:t>
+              <a:t>‹nº›</a:t>
             </a:fld>
             <a:endParaRPr lang="pt-PT"/>
           </a:p>
@@ -3578,7 +3595,7 @@
           <a:p>
             <a:fld id="{E14FC742-CF9C-4DF1-A67A-235095C9EA7A}" type="datetimeFigureOut">
               <a:rPr lang="pt-PT" smtClean="0"/>
-              <a:t>27/06/2021</a:t>
+              <a:t>29/06/2021</a:t>
             </a:fld>
             <a:endParaRPr lang="pt-PT"/>
           </a:p>
@@ -3620,7 +3637,7 @@
           <a:p>
             <a:fld id="{0991E417-1E2F-4D89-BBE0-6FE95A0A6C05}" type="slidenum">
               <a:rPr lang="pt-PT" smtClean="0"/>
-              <a:t>‹#›</a:t>
+              <a:t>‹nº›</a:t>
             </a:fld>
             <a:endParaRPr lang="pt-PT"/>
           </a:p>
@@ -3810,7 +3827,7 @@
           <a:p>
             <a:fld id="{E14FC742-CF9C-4DF1-A67A-235095C9EA7A}" type="datetimeFigureOut">
               <a:rPr lang="pt-PT" smtClean="0"/>
-              <a:t>27/06/2021</a:t>
+              <a:t>29/06/2021</a:t>
             </a:fld>
             <a:endParaRPr lang="pt-PT"/>
           </a:p>
@@ -3852,7 +3869,7 @@
           <a:p>
             <a:fld id="{0991E417-1E2F-4D89-BBE0-6FE95A0A6C05}" type="slidenum">
               <a:rPr lang="pt-PT" smtClean="0"/>
-              <a:t>‹#›</a:t>
+              <a:t>‹nº›</a:t>
             </a:fld>
             <a:endParaRPr lang="pt-PT"/>
           </a:p>
@@ -4058,7 +4075,7 @@
           <a:p>
             <a:fld id="{E14FC742-CF9C-4DF1-A67A-235095C9EA7A}" type="datetimeFigureOut">
               <a:rPr lang="pt-PT" smtClean="0"/>
-              <a:t>27/06/2021</a:t>
+              <a:t>29/06/2021</a:t>
             </a:fld>
             <a:endParaRPr lang="pt-PT"/>
           </a:p>
@@ -4100,7 +4117,7 @@
           <a:p>
             <a:fld id="{0991E417-1E2F-4D89-BBE0-6FE95A0A6C05}" type="slidenum">
               <a:rPr lang="pt-PT" smtClean="0"/>
-              <a:t>‹#›</a:t>
+              <a:t>‹nº›</a:t>
             </a:fld>
             <a:endParaRPr lang="pt-PT"/>
           </a:p>
@@ -4356,7 +4373,7 @@
           <a:p>
             <a:fld id="{E14FC742-CF9C-4DF1-A67A-235095C9EA7A}" type="datetimeFigureOut">
               <a:rPr lang="pt-PT" smtClean="0"/>
-              <a:t>27/06/2021</a:t>
+              <a:t>29/06/2021</a:t>
             </a:fld>
             <a:endParaRPr lang="pt-PT"/>
           </a:p>
@@ -4398,7 +4415,7 @@
           <a:p>
             <a:fld id="{0991E417-1E2F-4D89-BBE0-6FE95A0A6C05}" type="slidenum">
               <a:rPr lang="pt-PT" smtClean="0"/>
-              <a:t>‹#›</a:t>
+              <a:t>‹nº›</a:t>
             </a:fld>
             <a:endParaRPr lang="pt-PT"/>
           </a:p>
@@ -4750,7 +4767,7 @@
           <a:p>
             <a:fld id="{E14FC742-CF9C-4DF1-A67A-235095C9EA7A}" type="datetimeFigureOut">
               <a:rPr lang="pt-PT" smtClean="0"/>
-              <a:t>27/06/2021</a:t>
+              <a:t>29/06/2021</a:t>
             </a:fld>
             <a:endParaRPr lang="pt-PT"/>
           </a:p>
@@ -4792,7 +4809,7 @@
           <a:p>
             <a:fld id="{0991E417-1E2F-4D89-BBE0-6FE95A0A6C05}" type="slidenum">
               <a:rPr lang="pt-PT" smtClean="0"/>
-              <a:t>‹#›</a:t>
+              <a:t>‹nº›</a:t>
             </a:fld>
             <a:endParaRPr lang="pt-PT"/>
           </a:p>
@@ -4899,7 +4916,7 @@
           <a:p>
             <a:fld id="{E14FC742-CF9C-4DF1-A67A-235095C9EA7A}" type="datetimeFigureOut">
               <a:rPr lang="pt-PT" smtClean="0"/>
-              <a:t>27/06/2021</a:t>
+              <a:t>29/06/2021</a:t>
             </a:fld>
             <a:endParaRPr lang="pt-PT"/>
           </a:p>
@@ -4941,7 +4958,7 @@
           <a:p>
             <a:fld id="{0991E417-1E2F-4D89-BBE0-6FE95A0A6C05}" type="slidenum">
               <a:rPr lang="pt-PT" smtClean="0"/>
-              <a:t>‹#›</a:t>
+              <a:t>‹nº›</a:t>
             </a:fld>
             <a:endParaRPr lang="pt-PT"/>
           </a:p>
@@ -5025,7 +5042,7 @@
           <a:p>
             <a:fld id="{E14FC742-CF9C-4DF1-A67A-235095C9EA7A}" type="datetimeFigureOut">
               <a:rPr lang="pt-PT" smtClean="0"/>
-              <a:t>27/06/2021</a:t>
+              <a:t>29/06/2021</a:t>
             </a:fld>
             <a:endParaRPr lang="pt-PT"/>
           </a:p>
@@ -5067,7 +5084,7 @@
           <a:p>
             <a:fld id="{0991E417-1E2F-4D89-BBE0-6FE95A0A6C05}" type="slidenum">
               <a:rPr lang="pt-PT" smtClean="0"/>
-              <a:t>‹#›</a:t>
+              <a:t>‹nº›</a:t>
             </a:fld>
             <a:endParaRPr lang="pt-PT"/>
           </a:p>
@@ -5280,7 +5297,7 @@
           <a:p>
             <a:fld id="{E14FC742-CF9C-4DF1-A67A-235095C9EA7A}" type="datetimeFigureOut">
               <a:rPr lang="pt-PT" smtClean="0"/>
-              <a:t>27/06/2021</a:t>
+              <a:t>29/06/2021</a:t>
             </a:fld>
             <a:endParaRPr lang="pt-PT"/>
           </a:p>
@@ -5322,7 +5339,7 @@
           <a:p>
             <a:fld id="{0991E417-1E2F-4D89-BBE0-6FE95A0A6C05}" type="slidenum">
               <a:rPr lang="pt-PT" smtClean="0"/>
-              <a:t>‹#›</a:t>
+              <a:t>‹nº›</a:t>
             </a:fld>
             <a:endParaRPr lang="pt-PT"/>
           </a:p>
@@ -5595,7 +5612,7 @@
           <a:p>
             <a:fld id="{E14FC742-CF9C-4DF1-A67A-235095C9EA7A}" type="datetimeFigureOut">
               <a:rPr lang="pt-PT" smtClean="0"/>
-              <a:t>27/06/2021</a:t>
+              <a:t>29/06/2021</a:t>
             </a:fld>
             <a:endParaRPr lang="pt-PT"/>
           </a:p>
@@ -5637,7 +5654,7 @@
           <a:p>
             <a:fld id="{0991E417-1E2F-4D89-BBE0-6FE95A0A6C05}" type="slidenum">
               <a:rPr lang="pt-PT" smtClean="0"/>
-              <a:t>‹#›</a:t>
+              <a:t>‹nº›</a:t>
             </a:fld>
             <a:endParaRPr lang="pt-PT"/>
           </a:p>
@@ -5946,7 +5963,7 @@
           <a:p>
             <a:fld id="{E14FC742-CF9C-4DF1-A67A-235095C9EA7A}" type="datetimeFigureOut">
               <a:rPr lang="pt-PT" smtClean="0"/>
-              <a:t>27/06/2021</a:t>
+              <a:t>29/06/2021</a:t>
             </a:fld>
             <a:endParaRPr lang="pt-PT"/>
           </a:p>
@@ -6024,7 +6041,7 @@
           <a:p>
             <a:fld id="{0991E417-1E2F-4D89-BBE0-6FE95A0A6C05}" type="slidenum">
               <a:rPr lang="pt-PT" smtClean="0"/>
-              <a:t>‹#›</a:t>
+              <a:t>‹nº›</a:t>
             </a:fld>
             <a:endParaRPr lang="pt-PT"/>
           </a:p>
@@ -6637,7 +6654,15 @@
           <a:p>
             <a:r>
               <a:rPr lang="pt-PT" dirty="0"/>
-              <a:t>É util para mim e pode ser para outras pessoas também. </a:t>
+              <a:t>É </a:t>
+            </a:r>
+            <a:r>
+              <a:rPr lang="pt-PT" dirty="0" smtClean="0"/>
+              <a:t>útil </a:t>
+            </a:r>
+            <a:r>
+              <a:rPr lang="pt-PT" dirty="0"/>
+              <a:t>para mim e pode ser para outras pessoas também. </a:t>
             </a:r>
           </a:p>
           <a:p>
@@ -6701,7 +6726,15 @@
           <a:p>
             <a:r>
               <a:rPr lang="pt-PT" dirty="0"/>
-              <a:t>O programa éutil?</a:t>
+              <a:t>O programa </a:t>
+            </a:r>
+            <a:r>
+              <a:rPr lang="pt-PT" dirty="0" smtClean="0"/>
+              <a:t>é útil</a:t>
+            </a:r>
+            <a:r>
+              <a:rPr lang="pt-PT" dirty="0"/>
+              <a:t>?</a:t>
             </a:r>
           </a:p>
         </p:txBody>
@@ -6738,8 +6771,17 @@
           <a:p>
             <a:r>
               <a:rPr lang="pt-PT" dirty="0"/>
-              <a:t>Eu acho utíl </a:t>
-            </a:r>
+              <a:t>Eu acho </a:t>
+            </a:r>
+            <a:r>
+              <a:rPr lang="pt-PT" dirty="0"/>
+              <a:t>ú</a:t>
+            </a:r>
+            <a:r>
+              <a:rPr lang="pt-PT" dirty="0" smtClean="0"/>
+              <a:t>til </a:t>
+            </a:r>
+            <a:endParaRPr lang="pt-PT" dirty="0"/>
           </a:p>
         </p:txBody>
       </p:sp>
